--- a/1- Analisis/1- Presentación/1-Versión 2/Presentación Proyecto ADSI_2.pptx
+++ b/1- Analisis/1- Presentación/1-Versión 2/Presentación Proyecto ADSI_2.pptx
@@ -1600,18 +1600,6 @@
               <a:buSzPts val="1100"/>
               <a:buNone/>
             </a:pPr>
-            <a:r>
-              <a:rPr lang="es" sz="1200" b="0" i="0" u="none" strike="noStrike" cap="none">
-                <a:solidFill>
-                  <a:schemeClr val="dk1"/>
-                </a:solidFill>
-                <a:latin typeface="Calibri"/>
-                <a:ea typeface="Calibri"/>
-                <a:cs typeface="Calibri"/>
-                <a:sym typeface="Calibri"/>
-              </a:rPr>
-              <a:t/>
-            </a:r>
             <a:br>
               <a:rPr lang="es" sz="1200" b="0" i="0" u="none" strike="noStrike" cap="none">
                 <a:solidFill>
@@ -1623,18 +1611,6 @@
                 <a:sym typeface="Calibri"/>
               </a:rPr>
             </a:br>
-            <a:r>
-              <a:rPr lang="es" sz="1200" b="0" i="0" u="none" strike="noStrike" cap="none">
-                <a:solidFill>
-                  <a:schemeClr val="dk1"/>
-                </a:solidFill>
-                <a:latin typeface="Calibri"/>
-                <a:ea typeface="Calibri"/>
-                <a:cs typeface="Calibri"/>
-                <a:sym typeface="Calibri"/>
-              </a:rPr>
-              <a:t/>
-            </a:r>
             <a:br>
               <a:rPr lang="es" sz="1200" b="0" i="0" u="none" strike="noStrike" cap="none">
                 <a:solidFill>
@@ -24468,7 +24444,7 @@
                 <a:cs typeface="Calibri"/>
                 <a:sym typeface="Calibri"/>
               </a:rPr>
-              <a:t>Proyecto </a:t>
+              <a:t>Proyecto  	</a:t>
             </a:r>
             <a:endParaRPr sz="1400" b="0" i="0" u="none" strike="noStrike" cap="none">
               <a:solidFill>
@@ -24544,7 +24520,7 @@
               <a:t>Trimestre 1| </a:t>
             </a:r>
             <a:r>
-              <a:rPr lang="es" sz="3000" b="1" dirty="0" smtClean="0">
+              <a:rPr lang="es" sz="3000" b="1" dirty="0">
                 <a:solidFill>
                   <a:srgbClr val="31859B"/>
                 </a:solidFill>
@@ -24556,7 +24532,7 @@
               <a:t>ADSI</a:t>
             </a:r>
             <a:r>
-              <a:rPr lang="es" sz="3000" b="1" i="0" u="none" strike="noStrike" cap="none" dirty="0" smtClean="0">
+              <a:rPr lang="es" sz="3000" b="1" i="0" u="none" strike="noStrike" cap="none" dirty="0">
                 <a:solidFill>
                   <a:srgbClr val="31859B"/>
                 </a:solidFill>
@@ -24568,7 +24544,7 @@
               <a:t> </a:t>
             </a:r>
             <a:r>
-              <a:rPr lang="es" sz="3000" b="1" dirty="0" smtClean="0">
+              <a:rPr lang="es" sz="3000" b="1" dirty="0">
                 <a:solidFill>
                   <a:srgbClr val="31859B"/>
                 </a:solidFill>
@@ -24577,19 +24553,7 @@
                 <a:cs typeface="Calibri"/>
                 <a:sym typeface="Calibri"/>
               </a:rPr>
-              <a:t>1803170 </a:t>
-            </a:r>
-            <a:r>
-              <a:rPr lang="es" sz="3000" b="1" dirty="0">
-                <a:solidFill>
-                  <a:srgbClr val="31859B"/>
-                </a:solidFill>
-                <a:latin typeface="Calibri"/>
-                <a:ea typeface="Calibri"/>
-                <a:cs typeface="Calibri"/>
-                <a:sym typeface="Calibri"/>
-              </a:rPr>
-              <a:t>G3</a:t>
+              <a:t>1803170 G3</a:t>
             </a:r>
             <a:r>
               <a:rPr lang="es" sz="3000" b="1" i="0" u="none" strike="noStrike" cap="none" dirty="0">
@@ -24707,19 +24671,7 @@
                 <a:cs typeface="Calibri"/>
                 <a:sym typeface="Calibri"/>
               </a:rPr>
-              <a:t>Regional Distrito </a:t>
-            </a:r>
-            <a:r>
-              <a:rPr lang="es" sz="1400" b="1" i="0" u="none" strike="noStrike" cap="none" dirty="0" smtClean="0">
-                <a:solidFill>
-                  <a:srgbClr val="999999"/>
-                </a:solidFill>
-                <a:latin typeface="Calibri"/>
-                <a:ea typeface="Calibri"/>
-                <a:cs typeface="Calibri"/>
-                <a:sym typeface="Calibri"/>
-              </a:rPr>
-              <a:t>Capital</a:t>
+              <a:t>Regional Distrito Capital</a:t>
             </a:r>
           </a:p>
           <a:p>
@@ -24741,7 +24693,7 @@
               <a:buNone/>
             </a:pPr>
             <a:r>
-              <a:rPr lang="es" b="1" dirty="0" smtClean="0">
+              <a:rPr lang="es" b="1" dirty="0">
                 <a:solidFill>
                   <a:srgbClr val="999999"/>
                 </a:solidFill>
@@ -24869,13 +24821,6 @@
   <p:clrMapOvr>
     <a:masterClrMapping/>
   </p:clrMapOvr>
-  <p:timing>
-    <p:tnLst>
-      <p:par>
-        <p:cTn id="1" dur="indefinite" restart="never" nodeType="tmRoot"/>
-      </p:par>
-    </p:tnLst>
-  </p:timing>
 </p:sld>
 </file>
 
@@ -25645,8 +25590,21 @@
                 <a:cs typeface="Times New Roman"/>
                 <a:sym typeface="Times New Roman"/>
               </a:rPr>
-              <a:t>Angela Tatiana </a:t>
+              <a:t>Angela Tatiana Rozo Carrillo</a:t>
             </a:r>
+          </a:p>
+          <a:p>
+            <a:pPr marL="457200" lvl="0" indent="-342900" algn="l" rtl="0">
+              <a:spcBef>
+                <a:spcPts val="0"/>
+              </a:spcBef>
+              <a:spcAft>
+                <a:spcPts val="0"/>
+              </a:spcAft>
+              <a:buSzPts val="1800"/>
+              <a:buFont typeface="Times New Roman"/>
+              <a:buChar char="●"/>
+            </a:pPr>
             <a:r>
               <a:rPr lang="es" sz="2000">
                 <a:latin typeface="Times New Roman"/>
@@ -25654,16 +25612,7 @@
                 <a:cs typeface="Times New Roman"/>
                 <a:sym typeface="Times New Roman"/>
               </a:rPr>
-              <a:t>Rozo </a:t>
-            </a:r>
-            <a:r>
-              <a:rPr lang="es" sz="2000" smtClean="0">
-                <a:latin typeface="Times New Roman"/>
-                <a:ea typeface="Times New Roman"/>
-                <a:cs typeface="Times New Roman"/>
-                <a:sym typeface="Times New Roman"/>
-              </a:rPr>
-              <a:t>Carrillo</a:t>
+              <a:t>Vladimir Buitrago </a:t>
             </a:r>
             <a:endParaRPr sz="2000" dirty="0">
               <a:latin typeface="Times New Roman"/>
@@ -25905,34 +25854,7 @@
                 <a:cs typeface="Times New Roman"/>
                 <a:sym typeface="Times New Roman"/>
               </a:rPr>
-              <a:t>Diseñar un aplicativo web para </a:t>
-            </a:r>
-            <a:r>
-              <a:rPr lang="es" sz="2000" dirty="0" smtClean="0">
-                <a:latin typeface="Times New Roman"/>
-                <a:ea typeface="Times New Roman"/>
-                <a:cs typeface="Times New Roman"/>
-                <a:sym typeface="Times New Roman"/>
-              </a:rPr>
-              <a:t>solucionar los </a:t>
-            </a:r>
-            <a:r>
-              <a:rPr lang="es" sz="2000" dirty="0">
-                <a:latin typeface="Times New Roman"/>
-                <a:ea typeface="Times New Roman"/>
-                <a:cs typeface="Times New Roman"/>
-                <a:sym typeface="Times New Roman"/>
-              </a:rPr>
-              <a:t>problemas de comunicación en la tienda de </a:t>
-            </a:r>
-            <a:r>
-              <a:rPr lang="es" sz="2000" dirty="0" smtClean="0">
-                <a:latin typeface="Times New Roman"/>
-                <a:ea typeface="Times New Roman"/>
-                <a:cs typeface="Times New Roman"/>
-                <a:sym typeface="Times New Roman"/>
-              </a:rPr>
-              <a:t>videojuegos del barrio Diana Turbay.</a:t>
+              <a:t>Diseñar un aplicativo web para solucionar los problemas de comunicación en la tienda de videojuegos del barrio Diana Turbay.</a:t>
             </a:r>
             <a:endParaRPr sz="2000" dirty="0">
               <a:latin typeface="Georgia"/>
@@ -25978,13 +25900,6 @@
   <p:clrMapOvr>
     <a:masterClrMapping/>
   </p:clrMapOvr>
-  <p:timing>
-    <p:tnLst>
-      <p:par>
-        <p:cTn id="1" dur="indefinite" restart="never" nodeType="tmRoot"/>
-      </p:par>
-    </p:tnLst>
-  </p:timing>
 </p:sld>
 </file>
 
@@ -26127,31 +26042,7 @@
                 <a:cs typeface="Times New Roman"/>
                 <a:sym typeface="Times New Roman"/>
               </a:rPr>
-              <a:t>Sugerir al cliente los horarios </a:t>
-            </a:r>
-            <a:r>
-              <a:rPr lang="es" sz="2000" dirty="0" smtClean="0">
-                <a:solidFill>
-                  <a:schemeClr val="dk1"/>
-                </a:solidFill>
-                <a:latin typeface="Times New Roman"/>
-                <a:ea typeface="Times New Roman"/>
-                <a:cs typeface="Times New Roman"/>
-                <a:sym typeface="Times New Roman"/>
-              </a:rPr>
-              <a:t>de </a:t>
-            </a:r>
-            <a:r>
-              <a:rPr lang="es" sz="2000" dirty="0">
-                <a:solidFill>
-                  <a:schemeClr val="dk1"/>
-                </a:solidFill>
-                <a:latin typeface="Times New Roman"/>
-                <a:ea typeface="Times New Roman"/>
-                <a:cs typeface="Times New Roman"/>
-                <a:sym typeface="Times New Roman"/>
-              </a:rPr>
-              <a:t>disponibilidad. </a:t>
+              <a:t>Sugerir al cliente los horarios de disponibilidad. </a:t>
             </a:r>
             <a:endParaRPr sz="2000" dirty="0">
               <a:latin typeface="Times New Roman"/>
@@ -26244,16 +26135,7 @@
                 <a:cs typeface="Times New Roman"/>
                 <a:sym typeface="Times New Roman"/>
               </a:rPr>
-              <a:t>Calcular las ganancias obtenidas en el dia y generar un </a:t>
-            </a:r>
-            <a:r>
-              <a:rPr lang="es" sz="2000" dirty="0" smtClean="0">
-                <a:latin typeface="Times New Roman"/>
-                <a:ea typeface="Times New Roman"/>
-                <a:cs typeface="Times New Roman"/>
-                <a:sym typeface="Times New Roman"/>
-              </a:rPr>
-              <a:t>reporte diario de ventas. </a:t>
+              <a:t>Calcular las ganancias obtenidas en el dia y generar un reporte diario de ventas. </a:t>
             </a:r>
             <a:endParaRPr sz="2000" dirty="0">
               <a:latin typeface="Times New Roman"/>
@@ -26488,16 +26370,16 @@
                 <a:cs typeface="Times New Roman"/>
                 <a:sym typeface="Times New Roman"/>
               </a:rPr>
-              <a:t>La tienda de videojuegos ofrece </a:t>
+              <a:t>La tienda de videojuegos ofrece servicios de xbox, internet, productos alimenticios, fotocopias. El lugar no cuenta con ningún tipo de publicidad, tras llevar una contabilidad en una hoja manual, le ha causado problemas en cuanto a ganancias y pérdidas del dia,</a:t>
             </a:r>
             <a:r>
-              <a:rPr lang="es" sz="2000" dirty="0" smtClean="0">
+              <a:rPr lang="es-CO" sz="2000" dirty="0">
                 <a:latin typeface="Times New Roman"/>
                 <a:ea typeface="Times New Roman"/>
                 <a:cs typeface="Times New Roman"/>
                 <a:sym typeface="Times New Roman"/>
               </a:rPr>
-              <a:t>servicios </a:t>
+              <a:t> </a:t>
             </a:r>
             <a:r>
               <a:rPr lang="es" sz="2000" dirty="0">
@@ -26506,115 +26388,7 @@
                 <a:cs typeface="Times New Roman"/>
                 <a:sym typeface="Times New Roman"/>
               </a:rPr>
-              <a:t>de xbox, internet, productos alimenticios, fotocopias. </a:t>
-            </a:r>
-            <a:r>
-              <a:rPr lang="es" sz="2000" dirty="0" smtClean="0">
-                <a:latin typeface="Times New Roman"/>
-                <a:ea typeface="Times New Roman"/>
-                <a:cs typeface="Times New Roman"/>
-                <a:sym typeface="Times New Roman"/>
-              </a:rPr>
-              <a:t>El lugar no </a:t>
-            </a:r>
-            <a:r>
-              <a:rPr lang="es" sz="2000" dirty="0">
-                <a:latin typeface="Times New Roman"/>
-                <a:ea typeface="Times New Roman"/>
-                <a:cs typeface="Times New Roman"/>
-                <a:sym typeface="Times New Roman"/>
-              </a:rPr>
-              <a:t>cuenta con ningún tipo de </a:t>
-            </a:r>
-            <a:r>
-              <a:rPr lang="es" sz="2000" dirty="0" smtClean="0">
-                <a:latin typeface="Times New Roman"/>
-                <a:ea typeface="Times New Roman"/>
-                <a:cs typeface="Times New Roman"/>
-                <a:sym typeface="Times New Roman"/>
-              </a:rPr>
-              <a:t>publicidad, </a:t>
-            </a:r>
-            <a:r>
-              <a:rPr lang="es" sz="2000" dirty="0">
-                <a:latin typeface="Times New Roman"/>
-                <a:ea typeface="Times New Roman"/>
-                <a:cs typeface="Times New Roman"/>
-                <a:sym typeface="Times New Roman"/>
-              </a:rPr>
-              <a:t>tras llevar una contabilidad en una hoja </a:t>
-            </a:r>
-            <a:r>
-              <a:rPr lang="es" sz="2000" dirty="0" smtClean="0">
-                <a:latin typeface="Times New Roman"/>
-                <a:ea typeface="Times New Roman"/>
-                <a:cs typeface="Times New Roman"/>
-                <a:sym typeface="Times New Roman"/>
-              </a:rPr>
-              <a:t>manual, </a:t>
-            </a:r>
-            <a:r>
-              <a:rPr lang="es" sz="2000" dirty="0">
-                <a:latin typeface="Times New Roman"/>
-                <a:ea typeface="Times New Roman"/>
-                <a:cs typeface="Times New Roman"/>
-                <a:sym typeface="Times New Roman"/>
-              </a:rPr>
-              <a:t>le ha causado problemas en cuanto a ganancias y pérdidas del </a:t>
-            </a:r>
-            <a:r>
-              <a:rPr lang="es" sz="2000" dirty="0" smtClean="0">
-                <a:latin typeface="Times New Roman"/>
-                <a:ea typeface="Times New Roman"/>
-                <a:cs typeface="Times New Roman"/>
-                <a:sym typeface="Times New Roman"/>
-              </a:rPr>
-              <a:t>dia,</a:t>
-            </a:r>
-            <a:r>
-              <a:rPr lang="es-CO" sz="2000" dirty="0" smtClean="0">
-                <a:latin typeface="Times New Roman"/>
-                <a:ea typeface="Times New Roman"/>
-                <a:cs typeface="Times New Roman"/>
-                <a:sym typeface="Times New Roman"/>
-              </a:rPr>
-              <a:t> </a:t>
-            </a:r>
-            <a:r>
-              <a:rPr lang="es" sz="2000" dirty="0" smtClean="0">
-                <a:latin typeface="Times New Roman"/>
-                <a:ea typeface="Times New Roman"/>
-                <a:cs typeface="Times New Roman"/>
-                <a:sym typeface="Times New Roman"/>
-              </a:rPr>
-              <a:t>la </a:t>
-            </a:r>
-            <a:r>
-              <a:rPr lang="es" sz="2000" dirty="0" smtClean="0">
-                <a:latin typeface="Times New Roman"/>
-                <a:ea typeface="Times New Roman"/>
-                <a:cs typeface="Times New Roman"/>
-                <a:sym typeface="Times New Roman"/>
-              </a:rPr>
-              <a:t>hoja podria perderse y ocasionar problemas. </a:t>
-            </a:r>
-            <a:r>
-              <a:rPr lang="es" sz="2000" dirty="0">
-                <a:latin typeface="Times New Roman"/>
-                <a:ea typeface="Times New Roman"/>
-                <a:cs typeface="Times New Roman"/>
-                <a:sym typeface="Times New Roman"/>
-              </a:rPr>
-              <a:t>Los clientes no saben exactamente los horarios de atención del local de </a:t>
-            </a:r>
-            <a:r>
-              <a:rPr lang="es" sz="2000" dirty="0" smtClean="0">
-                <a:latin typeface="Times New Roman"/>
-                <a:ea typeface="Times New Roman"/>
-                <a:cs typeface="Times New Roman"/>
-                <a:sym typeface="Times New Roman"/>
-              </a:rPr>
-              <a:t>videojuegos.</a:t>
+              <a:t>la hoja podria perderse y ocasionar problemas. Los clientes no saben exactamente los horarios de atención del local de videojuegos.</a:t>
             </a:r>
             <a:endParaRPr sz="2000" dirty="0">
               <a:latin typeface="Times New Roman"/>
@@ -26835,43 +26609,7 @@
                 <a:cs typeface="Times New Roman"/>
                 <a:sym typeface="Times New Roman"/>
               </a:rPr>
-              <a:t>El proyecto va dirigido para la tienda de videojuegos ubicada en el barrio Diana Turbay Cra 2b Cll 47 - 37 Sur, con el cual queremos lograr un inventario de ventas e ingreso de clientes para llevar un control diario</a:t>
-            </a:r>
-            <a:r>
-              <a:rPr lang="es" sz="2000" dirty="0" smtClean="0">
-                <a:latin typeface="Times New Roman"/>
-                <a:ea typeface="Times New Roman"/>
-                <a:cs typeface="Times New Roman"/>
-                <a:sym typeface="Times New Roman"/>
-              </a:rPr>
-              <a:t>, que facilitaria el manejo economico de la tienda de videojuegos </a:t>
-            </a:r>
-            <a:r>
-              <a:rPr lang="es" sz="2000" dirty="0">
-                <a:latin typeface="Times New Roman"/>
-                <a:ea typeface="Times New Roman"/>
-                <a:cs typeface="Times New Roman"/>
-                <a:sym typeface="Times New Roman"/>
-              </a:rPr>
-              <a:t>cuando el usuario quiera adquirir un producto o servicio solo sea necesario ingresar </a:t>
-            </a:r>
-            <a:r>
-              <a:rPr lang="es" sz="2000" dirty="0" smtClean="0">
-                <a:latin typeface="Times New Roman"/>
-                <a:ea typeface="Times New Roman"/>
-                <a:cs typeface="Times New Roman"/>
-                <a:sym typeface="Times New Roman"/>
-              </a:rPr>
-              <a:t>al aplicativo web y adquirir </a:t>
-            </a:r>
-            <a:r>
-              <a:rPr lang="es" sz="2000" dirty="0">
-                <a:latin typeface="Times New Roman"/>
-                <a:ea typeface="Times New Roman"/>
-                <a:cs typeface="Times New Roman"/>
-                <a:sym typeface="Times New Roman"/>
-              </a:rPr>
-              <a:t>el producto o servicio que desee no sin antes verificar el horario disponible.</a:t>
+              <a:t>El proyecto va dirigido para la tienda de videojuegos ubicada en el barrio Diana Turbay Cra 2b Cll 47 - 37 Sur, con el cual queremos lograr un inventario de ventas e ingreso de clientes para llevar un control diario, que facilitaria el manejo economico de la tienda de videojuegos cuando el usuario quiera adquirir un producto o servicio solo sea necesario ingresar al aplicativo web y adquirir el producto o servicio que desee no sin antes verificar el horario disponible.</a:t>
             </a:r>
             <a:endParaRPr sz="2000" dirty="0">
               <a:latin typeface="Times New Roman"/>
@@ -27059,25 +26797,7 @@
                 <a:cs typeface="Times New Roman"/>
                 <a:sym typeface="Times New Roman"/>
               </a:rPr>
-              <a:t>La presente información se enfocará </a:t>
-            </a:r>
-            <a:r>
-              <a:rPr lang="es" sz="2000" dirty="0" smtClean="0">
-                <a:latin typeface="Times New Roman"/>
-                <a:ea typeface="Times New Roman"/>
-                <a:cs typeface="Times New Roman"/>
-                <a:sym typeface="Times New Roman"/>
-              </a:rPr>
-              <a:t>en solucionar </a:t>
-            </a:r>
-            <a:r>
-              <a:rPr lang="es" sz="2000" dirty="0">
-                <a:latin typeface="Times New Roman"/>
-                <a:ea typeface="Times New Roman"/>
-                <a:cs typeface="Times New Roman"/>
-                <a:sym typeface="Times New Roman"/>
-              </a:rPr>
-              <a:t>el problema de publicidad en el local de videojuegos </a:t>
+              <a:t>La presente información se enfocará en solucionar el problema de publicidad en el local de videojuegos </a:t>
             </a:r>
             <a:r>
               <a:rPr lang="es" sz="2000" b="1" dirty="0">
@@ -27140,25 +26860,7 @@
                 <a:cs typeface="Times New Roman"/>
                 <a:sym typeface="Times New Roman"/>
               </a:rPr>
-              <a:t>, </a:t>
-            </a:r>
-            <a:r>
-              <a:rPr lang="es" sz="2000">
-                <a:latin typeface="Times New Roman"/>
-                <a:ea typeface="Times New Roman"/>
-                <a:cs typeface="Times New Roman"/>
-                <a:sym typeface="Times New Roman"/>
-              </a:rPr>
-              <a:t>p</a:t>
-            </a:r>
-            <a:r>
-              <a:rPr lang="es" sz="2000" smtClean="0">
-                <a:latin typeface="Times New Roman"/>
-                <a:ea typeface="Times New Roman"/>
-                <a:cs typeface="Times New Roman"/>
-                <a:sym typeface="Times New Roman"/>
-              </a:rPr>
-              <a:t>or </a:t>
+              <a:t>, por </a:t>
             </a:r>
             <a:r>
               <a:rPr lang="es" sz="2000" dirty="0">
